--- a/Pitch.pptx
+++ b/Pitch.pptx
@@ -158,7 +158,7 @@
           </a:lstStyle>
           <a:p>
             <a:r>
-              <a:rPr lang="ru-RU" smtClean="0"/>
+              <a:rPr lang="ru-RU"/>
               <a:t>Образец заголовка</a:t>
             </a:r>
             <a:endParaRPr lang="en-US" dirty="0"/>
@@ -275,7 +275,7 @@
           </a:lstStyle>
           <a:p>
             <a:r>
-              <a:rPr lang="ru-RU" smtClean="0"/>
+              <a:rPr lang="ru-RU"/>
               <a:t>Образец подзаголовка</a:t>
             </a:r>
             <a:endParaRPr lang="en-US" dirty="0"/>
@@ -299,7 +299,7 @@
           <a:p>
             <a:fld id="{EC4610D8-0C32-44EA-BF95-DCE142404DF0}" type="datetimeFigureOut">
               <a:rPr lang="ru-RU" smtClean="0"/>
-              <a:t>ср 27.02.19</a:t>
+              <a:t>11.03.2019</a:t>
             </a:fld>
             <a:endParaRPr lang="ru-RU"/>
           </a:p>
@@ -404,7 +404,7 @@
           </a:lstStyle>
           <a:p>
             <a:r>
-              <a:rPr lang="ru-RU" smtClean="0"/>
+              <a:rPr lang="ru-RU"/>
               <a:t>Образец заголовка</a:t>
             </a:r>
             <a:endParaRPr lang="en-US" dirty="0"/>
@@ -483,7 +483,7 @@
           </a:lstStyle>
           <a:p>
             <a:r>
-              <a:rPr lang="ru-RU" smtClean="0"/>
+              <a:rPr lang="ru-RU"/>
               <a:t>Вставка рисунка</a:t>
             </a:r>
             <a:endParaRPr lang="en-US" dirty="0"/>
@@ -551,7 +551,7 @@
           <a:p>
             <a:pPr lvl="0"/>
             <a:r>
-              <a:rPr lang="ru-RU" smtClean="0"/>
+              <a:rPr lang="ru-RU"/>
               <a:t>Образец текста</a:t>
             </a:r>
           </a:p>
@@ -574,7 +574,7 @@
           <a:p>
             <a:fld id="{EC4610D8-0C32-44EA-BF95-DCE142404DF0}" type="datetimeFigureOut">
               <a:rPr lang="ru-RU" smtClean="0"/>
-              <a:t>ср 27.02.19</a:t>
+              <a:t>11.03.2019</a:t>
             </a:fld>
             <a:endParaRPr lang="ru-RU"/>
           </a:p>
@@ -677,7 +677,7 @@
           </a:lstStyle>
           <a:p>
             <a:r>
-              <a:rPr lang="ru-RU" smtClean="0"/>
+              <a:rPr lang="ru-RU"/>
               <a:t>Образец заголовка</a:t>
             </a:r>
             <a:endParaRPr lang="en-US" dirty="0"/>
@@ -745,7 +745,7 @@
           <a:p>
             <a:pPr lvl="0"/>
             <a:r>
-              <a:rPr lang="ru-RU" smtClean="0"/>
+              <a:rPr lang="ru-RU"/>
               <a:t>Образец текста</a:t>
             </a:r>
           </a:p>
@@ -768,7 +768,7 @@
           <a:p>
             <a:fld id="{EC4610D8-0C32-44EA-BF95-DCE142404DF0}" type="datetimeFigureOut">
               <a:rPr lang="ru-RU" smtClean="0"/>
-              <a:t>ср 27.02.19</a:t>
+              <a:t>11.03.2019</a:t>
             </a:fld>
             <a:endParaRPr lang="ru-RU"/>
           </a:p>
@@ -871,7 +871,7 @@
           </a:lstStyle>
           <a:p>
             <a:r>
-              <a:rPr lang="ru-RU" smtClean="0"/>
+              <a:rPr lang="ru-RU"/>
               <a:t>Образец заголовка</a:t>
             </a:r>
             <a:endParaRPr lang="en-US" dirty="0"/>
@@ -946,7 +946,7 @@
           <a:p>
             <a:pPr lvl="0"/>
             <a:r>
-              <a:rPr lang="ru-RU" smtClean="0"/>
+              <a:rPr lang="ru-RU"/>
               <a:t>Образец текста</a:t>
             </a:r>
           </a:p>
@@ -1013,7 +1013,7 @@
           <a:p>
             <a:pPr lvl="0"/>
             <a:r>
-              <a:rPr lang="ru-RU" smtClean="0"/>
+              <a:rPr lang="ru-RU"/>
               <a:t>Образец текста</a:t>
             </a:r>
           </a:p>
@@ -1036,7 +1036,7 @@
           <a:p>
             <a:fld id="{EC4610D8-0C32-44EA-BF95-DCE142404DF0}" type="datetimeFigureOut">
               <a:rPr lang="ru-RU" smtClean="0"/>
-              <a:t>ср 27.02.19</a:t>
+              <a:t>11.03.2019</a:t>
             </a:fld>
             <a:endParaRPr lang="ru-RU"/>
           </a:p>
@@ -1227,7 +1227,7 @@
           </a:lstStyle>
           <a:p>
             <a:r>
-              <a:rPr lang="ru-RU" smtClean="0"/>
+              <a:rPr lang="ru-RU"/>
               <a:t>Образец заголовка</a:t>
             </a:r>
             <a:endParaRPr lang="en-US" dirty="0"/>
@@ -1345,7 +1345,7 @@
           <a:p>
             <a:pPr lvl="0"/>
             <a:r>
-              <a:rPr lang="ru-RU" smtClean="0"/>
+              <a:rPr lang="ru-RU"/>
               <a:t>Образец текста</a:t>
             </a:r>
           </a:p>
@@ -1368,7 +1368,7 @@
           <a:p>
             <a:fld id="{EC4610D8-0C32-44EA-BF95-DCE142404DF0}" type="datetimeFigureOut">
               <a:rPr lang="ru-RU" smtClean="0"/>
-              <a:t>ср 27.02.19</a:t>
+              <a:t>11.03.2019</a:t>
             </a:fld>
             <a:endParaRPr lang="ru-RU"/>
           </a:p>
@@ -1466,7 +1466,7 @@
           </a:lstStyle>
           <a:p>
             <a:r>
-              <a:rPr lang="ru-RU" smtClean="0"/>
+              <a:rPr lang="ru-RU"/>
               <a:t>Образец заголовка</a:t>
             </a:r>
             <a:endParaRPr lang="en-US" dirty="0"/>
@@ -1538,7 +1538,7 @@
           <a:p>
             <a:pPr lvl="0"/>
             <a:r>
-              <a:rPr lang="ru-RU" smtClean="0"/>
+              <a:rPr lang="ru-RU"/>
               <a:t>Образец текста</a:t>
             </a:r>
           </a:p>
@@ -1605,7 +1605,7 @@
           <a:p>
             <a:pPr lvl="0"/>
             <a:r>
-              <a:rPr lang="ru-RU" smtClean="0"/>
+              <a:rPr lang="ru-RU"/>
               <a:t>Образец текста</a:t>
             </a:r>
           </a:p>
@@ -1676,7 +1676,7 @@
           <a:p>
             <a:pPr lvl="0"/>
             <a:r>
-              <a:rPr lang="ru-RU" smtClean="0"/>
+              <a:rPr lang="ru-RU"/>
               <a:t>Образец текста</a:t>
             </a:r>
           </a:p>
@@ -1743,7 +1743,7 @@
           <a:p>
             <a:pPr lvl="0"/>
             <a:r>
-              <a:rPr lang="ru-RU" smtClean="0"/>
+              <a:rPr lang="ru-RU"/>
               <a:t>Образец текста</a:t>
             </a:r>
           </a:p>
@@ -1814,7 +1814,7 @@
           <a:p>
             <a:pPr lvl="0"/>
             <a:r>
-              <a:rPr lang="ru-RU" smtClean="0"/>
+              <a:rPr lang="ru-RU"/>
               <a:t>Образец текста</a:t>
             </a:r>
           </a:p>
@@ -1881,7 +1881,7 @@
           <a:p>
             <a:pPr lvl="0"/>
             <a:r>
-              <a:rPr lang="ru-RU" smtClean="0"/>
+              <a:rPr lang="ru-RU"/>
               <a:t>Образец текста</a:t>
             </a:r>
           </a:p>
@@ -1978,7 +1978,7 @@
           <a:p>
             <a:fld id="{EC4610D8-0C32-44EA-BF95-DCE142404DF0}" type="datetimeFigureOut">
               <a:rPr lang="ru-RU" smtClean="0"/>
-              <a:t>ср 27.02.19</a:t>
+              <a:t>11.03.2019</a:t>
             </a:fld>
             <a:endParaRPr lang="ru-RU"/>
           </a:p>
@@ -2076,7 +2076,7 @@
           </a:lstStyle>
           <a:p>
             <a:r>
-              <a:rPr lang="ru-RU" smtClean="0"/>
+              <a:rPr lang="ru-RU"/>
               <a:t>Образец заголовка</a:t>
             </a:r>
             <a:endParaRPr lang="en-US" dirty="0"/>
@@ -2148,7 +2148,7 @@
           <a:p>
             <a:pPr lvl="0"/>
             <a:r>
-              <a:rPr lang="ru-RU" smtClean="0"/>
+              <a:rPr lang="ru-RU"/>
               <a:t>Образец текста</a:t>
             </a:r>
           </a:p>
@@ -2226,7 +2226,7 @@
           </a:lstStyle>
           <a:p>
             <a:r>
-              <a:rPr lang="ru-RU" smtClean="0"/>
+              <a:rPr lang="ru-RU"/>
               <a:t>Вставка рисунка</a:t>
             </a:r>
             <a:endParaRPr lang="en-US" dirty="0"/>
@@ -2294,7 +2294,7 @@
           <a:p>
             <a:pPr lvl="0"/>
             <a:r>
-              <a:rPr lang="ru-RU" smtClean="0"/>
+              <a:rPr lang="ru-RU"/>
               <a:t>Образец текста</a:t>
             </a:r>
           </a:p>
@@ -2365,7 +2365,7 @@
           <a:p>
             <a:pPr lvl="0"/>
             <a:r>
-              <a:rPr lang="ru-RU" smtClean="0"/>
+              <a:rPr lang="ru-RU"/>
               <a:t>Образец текста</a:t>
             </a:r>
           </a:p>
@@ -2443,7 +2443,7 @@
           </a:lstStyle>
           <a:p>
             <a:r>
-              <a:rPr lang="ru-RU" smtClean="0"/>
+              <a:rPr lang="ru-RU"/>
               <a:t>Вставка рисунка</a:t>
             </a:r>
             <a:endParaRPr lang="en-US" dirty="0"/>
@@ -2511,7 +2511,7 @@
           <a:p>
             <a:pPr lvl="0"/>
             <a:r>
-              <a:rPr lang="ru-RU" smtClean="0"/>
+              <a:rPr lang="ru-RU"/>
               <a:t>Образец текста</a:t>
             </a:r>
           </a:p>
@@ -2582,7 +2582,7 @@
           <a:p>
             <a:pPr lvl="0"/>
             <a:r>
-              <a:rPr lang="ru-RU" smtClean="0"/>
+              <a:rPr lang="ru-RU"/>
               <a:t>Образец текста</a:t>
             </a:r>
           </a:p>
@@ -2660,7 +2660,7 @@
           </a:lstStyle>
           <a:p>
             <a:r>
-              <a:rPr lang="ru-RU" smtClean="0"/>
+              <a:rPr lang="ru-RU"/>
               <a:t>Вставка рисунка</a:t>
             </a:r>
             <a:endParaRPr lang="en-US" dirty="0"/>
@@ -2728,7 +2728,7 @@
           <a:p>
             <a:pPr lvl="0"/>
             <a:r>
-              <a:rPr lang="ru-RU" smtClean="0"/>
+              <a:rPr lang="ru-RU"/>
               <a:t>Образец текста</a:t>
             </a:r>
           </a:p>
@@ -2825,7 +2825,7 @@
           <a:p>
             <a:fld id="{EC4610D8-0C32-44EA-BF95-DCE142404DF0}" type="datetimeFigureOut">
               <a:rPr lang="ru-RU" smtClean="0"/>
-              <a:t>ср 27.02.19</a:t>
+              <a:t>11.03.2019</a:t>
             </a:fld>
             <a:endParaRPr lang="ru-RU"/>
           </a:p>
@@ -2919,7 +2919,7 @@
           <a:lstStyle/>
           <a:p>
             <a:r>
-              <a:rPr lang="ru-RU" smtClean="0"/>
+              <a:rPr lang="ru-RU"/>
               <a:t>Образец заголовка</a:t>
             </a:r>
             <a:endParaRPr lang="en-US" dirty="0"/>
@@ -2943,35 +2943,35 @@
           <a:p>
             <a:pPr lvl="0"/>
             <a:r>
-              <a:rPr lang="ru-RU" smtClean="0"/>
+              <a:rPr lang="ru-RU"/>
               <a:t>Образец текста</a:t>
             </a:r>
           </a:p>
           <a:p>
             <a:pPr lvl="1"/>
             <a:r>
-              <a:rPr lang="ru-RU" smtClean="0"/>
+              <a:rPr lang="ru-RU"/>
               <a:t>Второй уровень</a:t>
             </a:r>
           </a:p>
           <a:p>
             <a:pPr lvl="2"/>
             <a:r>
-              <a:rPr lang="ru-RU" smtClean="0"/>
+              <a:rPr lang="ru-RU"/>
               <a:t>Третий уровень</a:t>
             </a:r>
           </a:p>
           <a:p>
             <a:pPr lvl="3"/>
             <a:r>
-              <a:rPr lang="ru-RU" smtClean="0"/>
+              <a:rPr lang="ru-RU"/>
               <a:t>Четвертый уровень</a:t>
             </a:r>
           </a:p>
           <a:p>
             <a:pPr lvl="4"/>
             <a:r>
-              <a:rPr lang="ru-RU" smtClean="0"/>
+              <a:rPr lang="ru-RU"/>
               <a:t>Пятый уровень</a:t>
             </a:r>
             <a:endParaRPr lang="en-US" dirty="0"/>
@@ -2995,7 +2995,7 @@
           <a:p>
             <a:fld id="{EC4610D8-0C32-44EA-BF95-DCE142404DF0}" type="datetimeFigureOut">
               <a:rPr lang="ru-RU" smtClean="0"/>
-              <a:t>ср 27.02.19</a:t>
+              <a:t>11.03.2019</a:t>
             </a:fld>
             <a:endParaRPr lang="ru-RU"/>
           </a:p>
@@ -3094,7 +3094,7 @@
           <a:lstStyle/>
           <a:p>
             <a:r>
-              <a:rPr lang="ru-RU" smtClean="0"/>
+              <a:rPr lang="ru-RU"/>
               <a:t>Образец заголовка</a:t>
             </a:r>
             <a:endParaRPr lang="en-US" dirty="0"/>
@@ -3123,35 +3123,35 @@
           <a:p>
             <a:pPr lvl="0"/>
             <a:r>
-              <a:rPr lang="ru-RU" smtClean="0"/>
+              <a:rPr lang="ru-RU"/>
               <a:t>Образец текста</a:t>
             </a:r>
           </a:p>
           <a:p>
             <a:pPr lvl="1"/>
             <a:r>
-              <a:rPr lang="ru-RU" smtClean="0"/>
+              <a:rPr lang="ru-RU"/>
               <a:t>Второй уровень</a:t>
             </a:r>
           </a:p>
           <a:p>
             <a:pPr lvl="2"/>
             <a:r>
-              <a:rPr lang="ru-RU" smtClean="0"/>
+              <a:rPr lang="ru-RU"/>
               <a:t>Третий уровень</a:t>
             </a:r>
           </a:p>
           <a:p>
             <a:pPr lvl="3"/>
             <a:r>
-              <a:rPr lang="ru-RU" smtClean="0"/>
+              <a:rPr lang="ru-RU"/>
               <a:t>Четвертый уровень</a:t>
             </a:r>
           </a:p>
           <a:p>
             <a:pPr lvl="4"/>
             <a:r>
-              <a:rPr lang="ru-RU" smtClean="0"/>
+              <a:rPr lang="ru-RU"/>
               <a:t>Пятый уровень</a:t>
             </a:r>
             <a:endParaRPr lang="en-US" dirty="0"/>
@@ -3175,7 +3175,7 @@
           <a:p>
             <a:fld id="{EC4610D8-0C32-44EA-BF95-DCE142404DF0}" type="datetimeFigureOut">
               <a:rPr lang="ru-RU" smtClean="0"/>
-              <a:t>ср 27.02.19</a:t>
+              <a:t>11.03.2019</a:t>
             </a:fld>
             <a:endParaRPr lang="ru-RU"/>
           </a:p>
@@ -3269,7 +3269,7 @@
           <a:lstStyle/>
           <a:p>
             <a:r>
-              <a:rPr lang="ru-RU" smtClean="0"/>
+              <a:rPr lang="ru-RU"/>
               <a:t>Образец заголовка</a:t>
             </a:r>
             <a:endParaRPr lang="en-US" dirty="0"/>
@@ -3293,35 +3293,35 @@
           <a:p>
             <a:pPr lvl="0"/>
             <a:r>
-              <a:rPr lang="ru-RU" smtClean="0"/>
+              <a:rPr lang="ru-RU"/>
               <a:t>Образец текста</a:t>
             </a:r>
           </a:p>
           <a:p>
             <a:pPr lvl="1"/>
             <a:r>
-              <a:rPr lang="ru-RU" smtClean="0"/>
+              <a:rPr lang="ru-RU"/>
               <a:t>Второй уровень</a:t>
             </a:r>
           </a:p>
           <a:p>
             <a:pPr lvl="2"/>
             <a:r>
-              <a:rPr lang="ru-RU" smtClean="0"/>
+              <a:rPr lang="ru-RU"/>
               <a:t>Третий уровень</a:t>
             </a:r>
           </a:p>
           <a:p>
             <a:pPr lvl="3"/>
             <a:r>
-              <a:rPr lang="ru-RU" smtClean="0"/>
+              <a:rPr lang="ru-RU"/>
               <a:t>Четвертый уровень</a:t>
             </a:r>
           </a:p>
           <a:p>
             <a:pPr lvl="4"/>
             <a:r>
-              <a:rPr lang="ru-RU" smtClean="0"/>
+              <a:rPr lang="ru-RU"/>
               <a:t>Пятый уровень</a:t>
             </a:r>
             <a:endParaRPr lang="en-US" dirty="0"/>
@@ -3345,7 +3345,7 @@
           <a:p>
             <a:fld id="{EC4610D8-0C32-44EA-BF95-DCE142404DF0}" type="datetimeFigureOut">
               <a:rPr lang="ru-RU" smtClean="0"/>
-              <a:t>ср 27.02.19</a:t>
+              <a:t>11.03.2019</a:t>
             </a:fld>
             <a:endParaRPr lang="ru-RU"/>
           </a:p>
@@ -3448,7 +3448,7 @@
           </a:lstStyle>
           <a:p>
             <a:r>
-              <a:rPr lang="ru-RU" smtClean="0"/>
+              <a:rPr lang="ru-RU"/>
               <a:t>Образец заголовка</a:t>
             </a:r>
             <a:endParaRPr lang="en-US" dirty="0"/>
@@ -3566,7 +3566,7 @@
           <a:p>
             <a:pPr lvl="0"/>
             <a:r>
-              <a:rPr lang="ru-RU" smtClean="0"/>
+              <a:rPr lang="ru-RU"/>
               <a:t>Образец текста</a:t>
             </a:r>
           </a:p>
@@ -3589,7 +3589,7 @@
           <a:p>
             <a:fld id="{EC4610D8-0C32-44EA-BF95-DCE142404DF0}" type="datetimeFigureOut">
               <a:rPr lang="ru-RU" smtClean="0"/>
-              <a:t>ср 27.02.19</a:t>
+              <a:t>11.03.2019</a:t>
             </a:fld>
             <a:endParaRPr lang="ru-RU"/>
           </a:p>
@@ -3683,7 +3683,7 @@
           <a:lstStyle/>
           <a:p>
             <a:r>
-              <a:rPr lang="ru-RU" smtClean="0"/>
+              <a:rPr lang="ru-RU"/>
               <a:t>Образец заголовка</a:t>
             </a:r>
             <a:endParaRPr lang="en-US" dirty="0"/>
@@ -3742,35 +3742,35 @@
           <a:p>
             <a:pPr lvl="0"/>
             <a:r>
-              <a:rPr lang="ru-RU" smtClean="0"/>
+              <a:rPr lang="ru-RU"/>
               <a:t>Образец текста</a:t>
             </a:r>
           </a:p>
           <a:p>
             <a:pPr lvl="1"/>
             <a:r>
-              <a:rPr lang="ru-RU" smtClean="0"/>
+              <a:rPr lang="ru-RU"/>
               <a:t>Второй уровень</a:t>
             </a:r>
           </a:p>
           <a:p>
             <a:pPr lvl="2"/>
             <a:r>
-              <a:rPr lang="ru-RU" smtClean="0"/>
+              <a:rPr lang="ru-RU"/>
               <a:t>Третий уровень</a:t>
             </a:r>
           </a:p>
           <a:p>
             <a:pPr lvl="3"/>
             <a:r>
-              <a:rPr lang="ru-RU" smtClean="0"/>
+              <a:rPr lang="ru-RU"/>
               <a:t>Четвертый уровень</a:t>
             </a:r>
           </a:p>
           <a:p>
             <a:pPr lvl="4"/>
             <a:r>
-              <a:rPr lang="ru-RU" smtClean="0"/>
+              <a:rPr lang="ru-RU"/>
               <a:t>Пятый уровень</a:t>
             </a:r>
             <a:endParaRPr lang="en-US" dirty="0"/>
@@ -3829,35 +3829,35 @@
           <a:p>
             <a:pPr lvl="0"/>
             <a:r>
-              <a:rPr lang="ru-RU" smtClean="0"/>
+              <a:rPr lang="ru-RU"/>
               <a:t>Образец текста</a:t>
             </a:r>
           </a:p>
           <a:p>
             <a:pPr lvl="1"/>
             <a:r>
-              <a:rPr lang="ru-RU" smtClean="0"/>
+              <a:rPr lang="ru-RU"/>
               <a:t>Второй уровень</a:t>
             </a:r>
           </a:p>
           <a:p>
             <a:pPr lvl="2"/>
             <a:r>
-              <a:rPr lang="ru-RU" smtClean="0"/>
+              <a:rPr lang="ru-RU"/>
               <a:t>Третий уровень</a:t>
             </a:r>
           </a:p>
           <a:p>
             <a:pPr lvl="3"/>
             <a:r>
-              <a:rPr lang="ru-RU" smtClean="0"/>
+              <a:rPr lang="ru-RU"/>
               <a:t>Четвертый уровень</a:t>
             </a:r>
           </a:p>
           <a:p>
             <a:pPr lvl="4"/>
             <a:r>
-              <a:rPr lang="ru-RU" smtClean="0"/>
+              <a:rPr lang="ru-RU"/>
               <a:t>Пятый уровень</a:t>
             </a:r>
             <a:endParaRPr lang="en-US" dirty="0"/>
@@ -3881,7 +3881,7 @@
           <a:p>
             <a:fld id="{EC4610D8-0C32-44EA-BF95-DCE142404DF0}" type="datetimeFigureOut">
               <a:rPr lang="ru-RU" smtClean="0"/>
-              <a:t>ср 27.02.19</a:t>
+              <a:t>11.03.2019</a:t>
             </a:fld>
             <a:endParaRPr lang="ru-RU"/>
           </a:p>
@@ -3979,7 +3979,7 @@
           </a:lstStyle>
           <a:p>
             <a:r>
-              <a:rPr lang="ru-RU" smtClean="0"/>
+              <a:rPr lang="ru-RU"/>
               <a:t>Образец заголовка</a:t>
             </a:r>
             <a:endParaRPr lang="en-US" dirty="0"/>
@@ -4051,7 +4051,7 @@
           <a:p>
             <a:pPr lvl="0"/>
             <a:r>
-              <a:rPr lang="ru-RU" smtClean="0"/>
+              <a:rPr lang="ru-RU"/>
               <a:t>Образец текста</a:t>
             </a:r>
           </a:p>
@@ -4109,35 +4109,35 @@
           <a:p>
             <a:pPr lvl="0"/>
             <a:r>
-              <a:rPr lang="ru-RU" smtClean="0"/>
+              <a:rPr lang="ru-RU"/>
               <a:t>Образец текста</a:t>
             </a:r>
           </a:p>
           <a:p>
             <a:pPr lvl="1"/>
             <a:r>
-              <a:rPr lang="ru-RU" smtClean="0"/>
+              <a:rPr lang="ru-RU"/>
               <a:t>Второй уровень</a:t>
             </a:r>
           </a:p>
           <a:p>
             <a:pPr lvl="2"/>
             <a:r>
-              <a:rPr lang="ru-RU" smtClean="0"/>
+              <a:rPr lang="ru-RU"/>
               <a:t>Третий уровень</a:t>
             </a:r>
           </a:p>
           <a:p>
             <a:pPr lvl="3"/>
             <a:r>
-              <a:rPr lang="ru-RU" smtClean="0"/>
+              <a:rPr lang="ru-RU"/>
               <a:t>Четвертый уровень</a:t>
             </a:r>
           </a:p>
           <a:p>
             <a:pPr lvl="4"/>
             <a:r>
-              <a:rPr lang="ru-RU" smtClean="0"/>
+              <a:rPr lang="ru-RU"/>
               <a:t>Пятый уровень</a:t>
             </a:r>
             <a:endParaRPr lang="en-US" dirty="0"/>
@@ -4209,7 +4209,7 @@
           <a:p>
             <a:pPr lvl="0"/>
             <a:r>
-              <a:rPr lang="ru-RU" smtClean="0"/>
+              <a:rPr lang="ru-RU"/>
               <a:t>Образец текста</a:t>
             </a:r>
           </a:p>
@@ -4267,35 +4267,35 @@
           <a:p>
             <a:pPr lvl="0"/>
             <a:r>
-              <a:rPr lang="ru-RU" smtClean="0"/>
+              <a:rPr lang="ru-RU"/>
               <a:t>Образец текста</a:t>
             </a:r>
           </a:p>
           <a:p>
             <a:pPr lvl="1"/>
             <a:r>
-              <a:rPr lang="ru-RU" smtClean="0"/>
+              <a:rPr lang="ru-RU"/>
               <a:t>Второй уровень</a:t>
             </a:r>
           </a:p>
           <a:p>
             <a:pPr lvl="2"/>
             <a:r>
-              <a:rPr lang="ru-RU" smtClean="0"/>
+              <a:rPr lang="ru-RU"/>
               <a:t>Третий уровень</a:t>
             </a:r>
           </a:p>
           <a:p>
             <a:pPr lvl="3"/>
             <a:r>
-              <a:rPr lang="ru-RU" smtClean="0"/>
+              <a:rPr lang="ru-RU"/>
               <a:t>Четвертый уровень</a:t>
             </a:r>
           </a:p>
           <a:p>
             <a:pPr lvl="4"/>
             <a:r>
-              <a:rPr lang="ru-RU" smtClean="0"/>
+              <a:rPr lang="ru-RU"/>
               <a:t>Пятый уровень</a:t>
             </a:r>
             <a:endParaRPr lang="en-US" dirty="0"/>
@@ -4319,7 +4319,7 @@
           <a:p>
             <a:fld id="{EC4610D8-0C32-44EA-BF95-DCE142404DF0}" type="datetimeFigureOut">
               <a:rPr lang="ru-RU" smtClean="0"/>
-              <a:t>ср 27.02.19</a:t>
+              <a:t>11.03.2019</a:t>
             </a:fld>
             <a:endParaRPr lang="ru-RU"/>
           </a:p>
@@ -4413,7 +4413,7 @@
           <a:lstStyle/>
           <a:p>
             <a:r>
-              <a:rPr lang="ru-RU" smtClean="0"/>
+              <a:rPr lang="ru-RU"/>
               <a:t>Образец заголовка</a:t>
             </a:r>
             <a:endParaRPr lang="en-US" dirty="0"/>
@@ -4437,7 +4437,7 @@
           <a:p>
             <a:fld id="{EC4610D8-0C32-44EA-BF95-DCE142404DF0}" type="datetimeFigureOut">
               <a:rPr lang="ru-RU" smtClean="0"/>
-              <a:t>ср 27.02.19</a:t>
+              <a:t>11.03.2019</a:t>
             </a:fld>
             <a:endParaRPr lang="ru-RU"/>
           </a:p>
@@ -4532,7 +4532,7 @@
           <a:p>
             <a:fld id="{EC4610D8-0C32-44EA-BF95-DCE142404DF0}" type="datetimeFigureOut">
               <a:rPr lang="ru-RU" smtClean="0"/>
-              <a:t>ср 27.02.19</a:t>
+              <a:t>11.03.2019</a:t>
             </a:fld>
             <a:endParaRPr lang="ru-RU"/>
           </a:p>
@@ -4635,7 +4635,7 @@
           </a:lstStyle>
           <a:p>
             <a:r>
-              <a:rPr lang="ru-RU" smtClean="0"/>
+              <a:rPr lang="ru-RU"/>
               <a:t>Образец заголовка</a:t>
             </a:r>
             <a:endParaRPr lang="en-US" dirty="0"/>
@@ -4694,35 +4694,35 @@
           <a:p>
             <a:pPr lvl="0"/>
             <a:r>
-              <a:rPr lang="ru-RU" smtClean="0"/>
+              <a:rPr lang="ru-RU"/>
               <a:t>Образец текста</a:t>
             </a:r>
           </a:p>
           <a:p>
             <a:pPr lvl="1"/>
             <a:r>
-              <a:rPr lang="ru-RU" smtClean="0"/>
+              <a:rPr lang="ru-RU"/>
               <a:t>Второй уровень</a:t>
             </a:r>
           </a:p>
           <a:p>
             <a:pPr lvl="2"/>
             <a:r>
-              <a:rPr lang="ru-RU" smtClean="0"/>
+              <a:rPr lang="ru-RU"/>
               <a:t>Третий уровень</a:t>
             </a:r>
           </a:p>
           <a:p>
             <a:pPr lvl="3"/>
             <a:r>
-              <a:rPr lang="ru-RU" smtClean="0"/>
+              <a:rPr lang="ru-RU"/>
               <a:t>Четвертый уровень</a:t>
             </a:r>
           </a:p>
           <a:p>
             <a:pPr lvl="4"/>
             <a:r>
-              <a:rPr lang="ru-RU" smtClean="0"/>
+              <a:rPr lang="ru-RU"/>
               <a:t>Пятый уровень</a:t>
             </a:r>
             <a:endParaRPr lang="en-US" dirty="0"/>
@@ -4788,7 +4788,7 @@
           <a:p>
             <a:pPr lvl="0"/>
             <a:r>
-              <a:rPr lang="ru-RU" smtClean="0"/>
+              <a:rPr lang="ru-RU"/>
               <a:t>Образец текста</a:t>
             </a:r>
           </a:p>
@@ -4811,7 +4811,7 @@
           <a:p>
             <a:fld id="{EC4610D8-0C32-44EA-BF95-DCE142404DF0}" type="datetimeFigureOut">
               <a:rPr lang="ru-RU" smtClean="0"/>
-              <a:t>ср 27.02.19</a:t>
+              <a:t>11.03.2019</a:t>
             </a:fld>
             <a:endParaRPr lang="ru-RU"/>
           </a:p>
@@ -4916,7 +4916,7 @@
           </a:lstStyle>
           <a:p>
             <a:r>
-              <a:rPr lang="ru-RU" smtClean="0"/>
+              <a:rPr lang="ru-RU"/>
               <a:t>Образец заголовка</a:t>
             </a:r>
             <a:endParaRPr lang="en-US" dirty="0"/>
@@ -4995,7 +4995,7 @@
           </a:lstStyle>
           <a:p>
             <a:r>
-              <a:rPr lang="ru-RU" smtClean="0"/>
+              <a:rPr lang="ru-RU"/>
               <a:t>Вставка рисунка</a:t>
             </a:r>
             <a:endParaRPr lang="en-US" dirty="0"/>
@@ -5063,7 +5063,7 @@
           <a:p>
             <a:pPr lvl="0"/>
             <a:r>
-              <a:rPr lang="ru-RU" smtClean="0"/>
+              <a:rPr lang="ru-RU"/>
               <a:t>Образец текста</a:t>
             </a:r>
           </a:p>
@@ -5086,7 +5086,7 @@
           <a:p>
             <a:fld id="{EC4610D8-0C32-44EA-BF95-DCE142404DF0}" type="datetimeFigureOut">
               <a:rPr lang="ru-RU" smtClean="0"/>
-              <a:t>ср 27.02.19</a:t>
+              <a:t>11.03.2019</a:t>
             </a:fld>
             <a:endParaRPr lang="ru-RU"/>
           </a:p>
@@ -5410,7 +5410,7 @@
           <a:lstStyle/>
           <a:p>
             <a:r>
-              <a:rPr lang="ru-RU" smtClean="0"/>
+              <a:rPr lang="ru-RU"/>
               <a:t>Образец заголовка</a:t>
             </a:r>
             <a:endParaRPr lang="en-US" dirty="0"/>
@@ -5444,35 +5444,35 @@
           <a:p>
             <a:pPr lvl="0"/>
             <a:r>
-              <a:rPr lang="ru-RU" smtClean="0"/>
+              <a:rPr lang="ru-RU"/>
               <a:t>Образец текста</a:t>
             </a:r>
           </a:p>
           <a:p>
             <a:pPr lvl="1"/>
             <a:r>
-              <a:rPr lang="ru-RU" smtClean="0"/>
+              <a:rPr lang="ru-RU"/>
               <a:t>Второй уровень</a:t>
             </a:r>
           </a:p>
           <a:p>
             <a:pPr lvl="2"/>
             <a:r>
-              <a:rPr lang="ru-RU" smtClean="0"/>
+              <a:rPr lang="ru-RU"/>
               <a:t>Третий уровень</a:t>
             </a:r>
           </a:p>
           <a:p>
             <a:pPr lvl="3"/>
             <a:r>
-              <a:rPr lang="ru-RU" smtClean="0"/>
+              <a:rPr lang="ru-RU"/>
               <a:t>Четвертый уровень</a:t>
             </a:r>
           </a:p>
           <a:p>
             <a:pPr lvl="4"/>
             <a:r>
-              <a:rPr lang="ru-RU" smtClean="0"/>
+              <a:rPr lang="ru-RU"/>
               <a:t>Пятый уровень</a:t>
             </a:r>
             <a:endParaRPr lang="en-US" dirty="0"/>
@@ -5515,7 +5515,7 @@
           <a:p>
             <a:fld id="{EC4610D8-0C32-44EA-BF95-DCE142404DF0}" type="datetimeFigureOut">
               <a:rPr lang="ru-RU" smtClean="0"/>
-              <a:t>ср 27.02.19</a:t>
+              <a:t>11.03.2019</a:t>
             </a:fld>
             <a:endParaRPr lang="ru-RU"/>
           </a:p>
@@ -6034,19 +6034,13 @@
           <a:lstStyle/>
           <a:p>
             <a:r>
-              <a:rPr lang="en-US" sz="9600" spc="0" dirty="0" err="1" smtClean="0">
+              <a:rPr lang="en-US" sz="9600" spc="0">
                 <a:latin typeface="AmazDooMLeft2" pitchFamily="2" charset="0"/>
               </a:rPr>
-              <a:t>Victrix</a:t>
-            </a:r>
-            <a:r>
-              <a:rPr lang="en-US" sz="9600" spc="0" dirty="0" smtClean="0">
-                <a:latin typeface="AmazDooMLeft2" pitchFamily="2" charset="0"/>
-              </a:rPr>
-              <a:t> </a:t>
-            </a:r>
-            <a:r>
-              <a:rPr lang="en-US" sz="9600" spc="0" dirty="0" smtClean="0">
+              <a:t>Victrix </a:t>
+            </a:r>
+            <a:r>
+              <a:rPr lang="en-US" sz="9600" spc="0" dirty="0">
                 <a:latin typeface="AmazDooMLeft2" pitchFamily="2" charset="0"/>
               </a:rPr>
               <a:t>team</a:t>
@@ -6076,11 +6070,11 @@
           <a:p>
             <a:pPr algn="r"/>
             <a:r>
-              <a:rPr lang="en-US" sz="1500" dirty="0" smtClean="0"/>
+              <a:rPr lang="en-US" sz="1500" dirty="0"/>
               <a:t>  </a:t>
             </a:r>
             <a:r>
-              <a:rPr lang="en-US" sz="5600" b="1" dirty="0" smtClean="0"/>
+              <a:rPr lang="en-US" sz="5600" b="1" dirty="0"/>
               <a:t>Team members: </a:t>
             </a:r>
           </a:p>
@@ -6095,35 +6089,35 @@
               <a:t> </a:t>
             </a:r>
             <a:r>
-              <a:rPr lang="en-US" sz="5600" dirty="0" err="1" smtClean="0"/>
+              <a:rPr lang="en-US" sz="5600" dirty="0" err="1"/>
               <a:t>Madiyar</a:t>
             </a:r>
-            <a:endParaRPr lang="en-US" sz="5600" dirty="0" smtClean="0"/>
+            <a:endParaRPr lang="en-US" sz="5600" dirty="0"/>
           </a:p>
           <a:p>
             <a:pPr algn="r"/>
             <a:r>
-              <a:rPr lang="en-US" sz="5600" dirty="0" err="1" smtClean="0"/>
+              <a:rPr lang="en-US" sz="5600" dirty="0" err="1"/>
               <a:t>Kozin</a:t>
             </a:r>
             <a:r>
-              <a:rPr lang="en-US" sz="5600" dirty="0" smtClean="0"/>
+              <a:rPr lang="en-US" sz="5600" dirty="0"/>
               <a:t> </a:t>
             </a:r>
             <a:r>
-              <a:rPr lang="en-US" sz="5600" dirty="0" err="1" smtClean="0"/>
+              <a:rPr lang="en-US" sz="5600" dirty="0" err="1"/>
               <a:t>Rustam</a:t>
             </a:r>
-            <a:endParaRPr lang="en-US" sz="5600" dirty="0" smtClean="0"/>
+            <a:endParaRPr lang="en-US" sz="5600" dirty="0"/>
           </a:p>
           <a:p>
             <a:pPr algn="r"/>
             <a:r>
-              <a:rPr lang="en-US" sz="5600" dirty="0" err="1" smtClean="0"/>
+              <a:rPr lang="en-US" sz="5600" dirty="0" err="1"/>
               <a:t>Mynzhassar</a:t>
             </a:r>
             <a:r>
-              <a:rPr lang="en-US" sz="5600" dirty="0" smtClean="0"/>
+              <a:rPr lang="en-US" sz="5600" dirty="0"/>
               <a:t> Dias</a:t>
             </a:r>
           </a:p>
@@ -6138,21 +6132,21 @@
               <a:t> </a:t>
             </a:r>
             <a:r>
-              <a:rPr lang="en-US" sz="5600" dirty="0" err="1" smtClean="0"/>
+              <a:rPr lang="en-US" sz="5600" dirty="0" err="1"/>
               <a:t>Sanzhar</a:t>
             </a:r>
             <a:r>
-              <a:rPr lang="en-US" sz="1500" dirty="0" err="1" smtClean="0"/>
+              <a:rPr lang="en-US" sz="1500" dirty="0" err="1"/>
               <a:t>r</a:t>
             </a:r>
-            <a:endParaRPr lang="en-US" sz="1500" dirty="0" smtClean="0"/>
+            <a:endParaRPr lang="en-US" sz="1500" dirty="0"/>
           </a:p>
           <a:p>
             <a:pPr marL="342900" indent="-342900" algn="r">
               <a:buFont typeface="Arial" panose="020B0604020202020204" pitchFamily="34" charset="0"/>
               <a:buChar char="•"/>
             </a:pPr>
-            <a:endParaRPr lang="en-US" dirty="0" smtClean="0"/>
+            <a:endParaRPr lang="en-US" dirty="0"/>
           </a:p>
         </p:txBody>
       </p:sp>
@@ -6202,7 +6196,7 @@
           <a:lstStyle/>
           <a:p>
             <a:r>
-              <a:rPr lang="en-US" dirty="0" smtClean="0"/>
+              <a:rPr lang="en-US" dirty="0"/>
               <a:t>Team profile </a:t>
             </a:r>
             <a:endParaRPr lang="ru-RU" dirty="0"/>
@@ -6225,7 +6219,7 @@
           <a:lstStyle/>
           <a:p>
             <a:r>
-              <a:rPr lang="en-US" dirty="0" smtClean="0"/>
+              <a:rPr lang="en-US" dirty="0"/>
               <a:t>Team leader : </a:t>
             </a:r>
             <a:r>
@@ -6237,36 +6231,36 @@
               <a:t> </a:t>
             </a:r>
             <a:r>
-              <a:rPr lang="en-US" dirty="0" err="1" smtClean="0"/>
+              <a:rPr lang="en-US" dirty="0" err="1"/>
               <a:t>Madiyar</a:t>
             </a:r>
-            <a:endParaRPr lang="en-US" dirty="0" smtClean="0"/>
-          </a:p>
-          <a:p>
-            <a:endParaRPr lang="en-US" dirty="0" smtClean="0"/>
-          </a:p>
-          <a:p>
             <a:endParaRPr lang="en-US" dirty="0"/>
           </a:p>
           <a:p>
-            <a:r>
-              <a:rPr lang="en-US" dirty="0" smtClean="0"/>
+            <a:endParaRPr lang="en-US" dirty="0"/>
+          </a:p>
+          <a:p>
+            <a:endParaRPr lang="en-US" dirty="0"/>
+          </a:p>
+          <a:p>
+            <a:r>
+              <a:rPr lang="en-US" dirty="0"/>
               <a:t>Technical specialist : </a:t>
             </a:r>
             <a:r>
-              <a:rPr lang="en-US" dirty="0" err="1" smtClean="0"/>
+              <a:rPr lang="en-US" dirty="0" err="1"/>
               <a:t>Kozin</a:t>
             </a:r>
             <a:r>
-              <a:rPr lang="en-US" dirty="0" smtClean="0"/>
+              <a:rPr lang="en-US" dirty="0"/>
               <a:t> </a:t>
             </a:r>
             <a:r>
-              <a:rPr lang="en-US" dirty="0" err="1" smtClean="0"/>
+              <a:rPr lang="en-US" dirty="0" err="1"/>
               <a:t>Rustam</a:t>
             </a:r>
             <a:r>
-              <a:rPr lang="en-US" dirty="0" smtClean="0"/>
+              <a:rPr lang="en-US" dirty="0"/>
               <a:t> , </a:t>
             </a:r>
             <a:r>
@@ -6279,14 +6273,14 @@
             </a:r>
           </a:p>
           <a:p>
-            <a:endParaRPr lang="en-US" dirty="0" smtClean="0"/>
-          </a:p>
-          <a:p>
             <a:endParaRPr lang="en-US" dirty="0"/>
           </a:p>
           <a:p>
-            <a:r>
-              <a:rPr lang="en-US" dirty="0" smtClean="0"/>
+            <a:endParaRPr lang="en-US" dirty="0"/>
+          </a:p>
+          <a:p>
+            <a:r>
+              <a:rPr lang="en-US" dirty="0"/>
               <a:t>Marketing specialist : </a:t>
             </a:r>
             <a:r>
@@ -6307,7 +6301,7 @@
             <a:endParaRPr lang="en-US" dirty="0"/>
           </a:p>
           <a:p>
-            <a:endParaRPr lang="en-US" dirty="0" smtClean="0"/>
+            <a:endParaRPr lang="en-US" dirty="0"/>
           </a:p>
         </p:txBody>
       </p:sp>
@@ -6362,7 +6356,7 @@
           <a:lstStyle/>
           <a:p>
             <a:r>
-              <a:rPr lang="en-US" dirty="0" smtClean="0"/>
+              <a:rPr lang="en-US" dirty="0"/>
               <a:t>Team target</a:t>
             </a:r>
             <a:endParaRPr lang="ru-RU" dirty="0"/>
@@ -6388,7 +6382,7 @@
               <a:buNone/>
             </a:pPr>
             <a:r>
-              <a:rPr lang="en-US" dirty="0" smtClean="0"/>
+              <a:rPr lang="en-US" dirty="0"/>
               <a:t>The main target for our project. The main of idea of our project is making online shop for selling tobacco production. It is very perspective market due to the fact there are 46% of men and 5% of women smoking in Kazakhstan. And for this purpose there is no special online shops. For example we do not have online shops which selling imported cigarettes and high-level cigarettes. </a:t>
             </a:r>
             <a:endParaRPr lang="ru-RU" dirty="0"/>
@@ -6470,72 +6464,27 @@
               <a:buNone/>
             </a:pPr>
             <a:r>
-              <a:rPr lang="en-US" dirty="0" smtClean="0"/>
-              <a:t>After brief analyze of market we found out that we do not actually have magazines that </a:t>
-            </a:r>
-            <a:r>
-              <a:rPr lang="en-US" dirty="0" smtClean="0"/>
-              <a:t>are aim only on online selling. We have some websites about selling cigarettes </a:t>
-            </a:r>
-            <a:r>
               <a:rPr lang="en-US" dirty="0"/>
-              <a:t>for example </a:t>
-            </a:r>
-            <a:r>
-              <a:rPr lang="en-US" dirty="0" smtClean="0"/>
-              <a:t>(</a:t>
-            </a:r>
-            <a:r>
-              <a:rPr lang="en-US" dirty="0" smtClean="0">
-                <a:hlinkClick r:id="rId2"/>
-              </a:rPr>
-              <a:t>http</a:t>
+              <a:t>After brief analyze of market we found out that we do not actually have magazines that are aim only on online selling. We have some websites about selling cigarettes for example (</a:t>
             </a:r>
             <a:r>
               <a:rPr lang="en-US" dirty="0">
                 <a:hlinkClick r:id="rId2"/>
               </a:rPr>
-              <a:t>://</a:t>
-            </a:r>
-            <a:r>
-              <a:rPr lang="en-US" dirty="0" smtClean="0">
-                <a:hlinkClick r:id="rId2"/>
-              </a:rPr>
-              <a:t>www.wigwam.kz</a:t>
-            </a:r>
-            <a:r>
-              <a:rPr lang="en-US" dirty="0" smtClean="0"/>
-              <a:t>)</a:t>
+              <a:t>http://www.wigwam.kz</a:t>
             </a:r>
             <a:r>
               <a:rPr lang="en-US" dirty="0"/>
+              <a:t>) but this web site is used more for representing their products which they are selling in their products also this website is only one. So</a:t>
+            </a:r>
+            <a:r>
+              <a:rPr lang="kk-KZ" dirty="0"/>
               <a:t> </a:t>
             </a:r>
             <a:r>
-              <a:rPr lang="en-US" dirty="0" smtClean="0"/>
-              <a:t>but this web site is used more for representing their products which they are selling in their products also this website is only one. So</a:t>
-            </a:r>
-            <a:r>
-              <a:rPr lang="kk-KZ" dirty="0" smtClean="0"/>
-              <a:t> </a:t>
-            </a:r>
-            <a:r>
-              <a:rPr lang="en-US" dirty="0" smtClean="0"/>
-              <a:t>this </a:t>
-            </a:r>
-            <a:r>
               <a:rPr lang="en-US" dirty="0"/>
-              <a:t>niche is not </a:t>
-            </a:r>
-            <a:r>
-              <a:rPr lang="en-US" dirty="0" smtClean="0"/>
-              <a:t>occupied</a:t>
-            </a:r>
-            <a:r>
-              <a:rPr lang="en-US" dirty="0"/>
-              <a:t>.</a:t>
-            </a:r>
-            <a:endParaRPr lang="en-US" dirty="0" smtClean="0"/>
+              <a:t>this niche is not occupied.</a:t>
+            </a:r>
           </a:p>
         </p:txBody>
       </p:sp>
@@ -6615,14 +6564,10 @@
             </a:pPr>
             <a:r>
               <a:rPr lang="en-US" dirty="0"/>
-              <a:t>Having gathered all the information </a:t>
-            </a:r>
-            <a:r>
-              <a:rPr lang="en-US" dirty="0" smtClean="0"/>
-              <a:t>it is very perspective market and this project can bring a huge profit due to the fact this niche is not occupied but otherwise it is very difficult to realize because we need to get governmental approval and have contracts with </a:t>
-            </a:r>
-            <a:r>
-              <a:rPr lang="en-US" smtClean="0"/>
+              <a:t>Having gathered all the information it is very perspective market and this project can bring a huge profit due to the fact this niche is not occupied but otherwise it is very difficult to realize because we need to get governmental approval and have contracts with </a:t>
+            </a:r>
+            <a:r>
+              <a:rPr lang="en-US"/>
               <a:t>big tobacco companies.</a:t>
             </a:r>
             <a:endParaRPr lang="ru-RU" dirty="0"/>
